--- a/2020-05-04 声音、采样、和谐/声音、采样、和谐.pptx
+++ b/2020-05-04 声音、采样、和谐/声音、采样、和谐.pptx
@@ -254,7 +254,7 @@
           <a:p>
             <a:fld id="{92FE3FDA-7438-49A9-A922-71DC67B937C6}" type="datetimeFigureOut">
               <a:rPr kumimoji="1" lang="ja-JP" altLang="en-US" smtClean="0"/>
-              <a:t>2020/5/3</a:t>
+              <a:t>2020/5/5</a:t>
             </a:fld>
             <a:endParaRPr kumimoji="1" lang="ja-JP" altLang="en-US"/>
           </a:p>
@@ -1236,7 +1236,43 @@
                 <a:ea typeface="+mn-ea"/>
                 <a:cs typeface="+mn-cs"/>
               </a:rPr>
-              <a:t>176.4KB</a:t>
+              <a:t>176.4</a:t>
+            </a:r>
+            <a:r>
+              <a:rPr kumimoji="1" lang="zh-CN" altLang="en-US" sz="1200" kern="1200" dirty="0">
+                <a:solidFill>
+                  <a:schemeClr val="tx1"/>
+                </a:solidFill>
+                <a:effectLst/>
+                <a:latin typeface="+mn-lt"/>
+                <a:ea typeface="+mn-ea"/>
+                <a:cs typeface="+mn-cs"/>
+              </a:rPr>
+              <a:t>*</a:t>
+            </a:r>
+            <a:r>
+              <a:rPr kumimoji="1" lang="en-US" altLang="zh-CN" sz="1200" kern="1200" dirty="0">
+                <a:solidFill>
+                  <a:schemeClr val="tx1"/>
+                </a:solidFill>
+                <a:effectLst/>
+                <a:latin typeface="+mn-lt"/>
+                <a:ea typeface="+mn-ea"/>
+                <a:cs typeface="+mn-cs"/>
+              </a:rPr>
+              <a:t>8</a:t>
+            </a:r>
+            <a:r>
+              <a:rPr kumimoji="1" lang="en-US" altLang="ja-JP" sz="1200" kern="1200" dirty="0">
+                <a:solidFill>
+                  <a:schemeClr val="tx1"/>
+                </a:solidFill>
+                <a:effectLst/>
+                <a:latin typeface="+mn-lt"/>
+                <a:ea typeface="+mn-ea"/>
+                <a:cs typeface="+mn-cs"/>
+              </a:rPr>
+              <a:t>Kb</a:t>
             </a:r>
             <a:r>
               <a:rPr kumimoji="1" lang="zh-CN" altLang="en-US" sz="1200" kern="1200" dirty="0">
@@ -1390,7 +1426,7 @@
             </a:r>
             <a:r>
               <a:rPr kumimoji="1" lang="zh-CN" altLang="en-US" dirty="0"/>
-              <a:t>有损压缩、天体运行地心说（笑）</a:t>
+              <a:t>有损压缩、天体运行地心说（笑</a:t>
             </a:r>
             <a:endParaRPr kumimoji="1" lang="en-US" altLang="zh-CN" dirty="0"/>
           </a:p>
@@ -2168,7 +2204,7 @@
           <a:p>
             <a:r>
               <a:rPr lang="zh-CN" altLang="en-US" dirty="0"/>
-              <a:t>八度音阶和频率的关系：</a:t>
+              <a:t>律制：</a:t>
             </a:r>
             <a:r>
               <a:rPr lang="en-US" altLang="zh-CN" b="0" u="none" dirty="0">
@@ -2176,27 +2212,10 @@
                   <a:schemeClr val="tx1"/>
                 </a:solidFill>
               </a:rPr>
-              <a:t>https://www.cnblogs.com/cute/archive/2013/02/28/2937222.html</a:t>
-            </a:r>
-          </a:p>
-          <a:p>
-            <a:pPr marL="0" marR="0" lvl="0" indent="0" algn="l" defTabSz="914400" rtl="0" eaLnBrk="1" fontAlgn="auto" latinLnBrk="0" hangingPunct="1">
-              <a:lnSpc>
-                <a:spcPct val="100000"/>
-              </a:lnSpc>
-              <a:spcBef>
-                <a:spcPts val="0"/>
-              </a:spcBef>
-              <a:spcAft>
-                <a:spcPts val="0"/>
-              </a:spcAft>
-              <a:buClrTx/>
-              <a:buSzTx/>
-              <a:buFontTx/>
-              <a:buNone/>
-              <a:tabLst/>
-              <a:defRPr/>
-            </a:pPr>
+              <a:t>https://zhuanlan.zhihu.com/p/27028014</a:t>
+            </a:r>
+          </a:p>
+          <a:p>
             <a:r>
               <a:rPr kumimoji="1" lang="zh-CN" altLang="en-US" dirty="0"/>
               <a:t>半音和全音：</a:t>
@@ -3103,7 +3122,7 @@
           <a:p>
             <a:fld id="{A6058805-1A1A-4901-902E-2E8B0736C531}" type="datetimeFigureOut">
               <a:rPr kumimoji="1" lang="ja-JP" altLang="en-US" smtClean="0"/>
-              <a:t>2020/5/3</a:t>
+              <a:t>2020/5/5</a:t>
             </a:fld>
             <a:endParaRPr kumimoji="1" lang="ja-JP" altLang="en-US"/>
           </a:p>
@@ -3333,7 +3352,7 @@
           <a:p>
             <a:fld id="{A6058805-1A1A-4901-902E-2E8B0736C531}" type="datetimeFigureOut">
               <a:rPr kumimoji="1" lang="ja-JP" altLang="en-US" smtClean="0"/>
-              <a:t>2020/5/3</a:t>
+              <a:t>2020/5/5</a:t>
             </a:fld>
             <a:endParaRPr kumimoji="1" lang="ja-JP" altLang="en-US"/>
           </a:p>
@@ -3573,7 +3592,7 @@
           <a:p>
             <a:fld id="{A6058805-1A1A-4901-902E-2E8B0736C531}" type="datetimeFigureOut">
               <a:rPr kumimoji="1" lang="ja-JP" altLang="en-US" smtClean="0"/>
-              <a:t>2020/5/3</a:t>
+              <a:t>2020/5/5</a:t>
             </a:fld>
             <a:endParaRPr kumimoji="1" lang="ja-JP" altLang="en-US"/>
           </a:p>
@@ -3803,7 +3822,7 @@
           <a:p>
             <a:fld id="{A6058805-1A1A-4901-902E-2E8B0736C531}" type="datetimeFigureOut">
               <a:rPr kumimoji="1" lang="ja-JP" altLang="en-US" smtClean="0"/>
-              <a:t>2020/5/3</a:t>
+              <a:t>2020/5/5</a:t>
             </a:fld>
             <a:endParaRPr kumimoji="1" lang="ja-JP" altLang="en-US"/>
           </a:p>
@@ -4078,7 +4097,7 @@
           <a:p>
             <a:fld id="{A6058805-1A1A-4901-902E-2E8B0736C531}" type="datetimeFigureOut">
               <a:rPr kumimoji="1" lang="ja-JP" altLang="en-US" smtClean="0"/>
-              <a:t>2020/5/3</a:t>
+              <a:t>2020/5/5</a:t>
             </a:fld>
             <a:endParaRPr kumimoji="1" lang="ja-JP" altLang="en-US"/>
           </a:p>
@@ -4407,7 +4426,7 @@
           <a:p>
             <a:fld id="{A6058805-1A1A-4901-902E-2E8B0736C531}" type="datetimeFigureOut">
               <a:rPr kumimoji="1" lang="ja-JP" altLang="en-US" smtClean="0"/>
-              <a:t>2020/5/3</a:t>
+              <a:t>2020/5/5</a:t>
             </a:fld>
             <a:endParaRPr kumimoji="1" lang="ja-JP" altLang="en-US"/>
           </a:p>
@@ -4883,7 +4902,7 @@
           <a:p>
             <a:fld id="{A6058805-1A1A-4901-902E-2E8B0736C531}" type="datetimeFigureOut">
               <a:rPr kumimoji="1" lang="ja-JP" altLang="en-US" smtClean="0"/>
-              <a:t>2020/5/3</a:t>
+              <a:t>2020/5/5</a:t>
             </a:fld>
             <a:endParaRPr kumimoji="1" lang="ja-JP" altLang="en-US"/>
           </a:p>
@@ -5024,7 +5043,7 @@
           <a:p>
             <a:fld id="{A6058805-1A1A-4901-902E-2E8B0736C531}" type="datetimeFigureOut">
               <a:rPr kumimoji="1" lang="ja-JP" altLang="en-US" smtClean="0"/>
-              <a:t>2020/5/3</a:t>
+              <a:t>2020/5/5</a:t>
             </a:fld>
             <a:endParaRPr kumimoji="1" lang="ja-JP" altLang="en-US"/>
           </a:p>
@@ -5137,7 +5156,7 @@
           <a:p>
             <a:fld id="{A6058805-1A1A-4901-902E-2E8B0736C531}" type="datetimeFigureOut">
               <a:rPr kumimoji="1" lang="ja-JP" altLang="en-US" smtClean="0"/>
-              <a:t>2020/5/3</a:t>
+              <a:t>2020/5/5</a:t>
             </a:fld>
             <a:endParaRPr kumimoji="1" lang="ja-JP" altLang="en-US"/>
           </a:p>
@@ -5480,7 +5499,7 @@
           <a:p>
             <a:fld id="{A6058805-1A1A-4901-902E-2E8B0736C531}" type="datetimeFigureOut">
               <a:rPr kumimoji="1" lang="ja-JP" altLang="en-US" smtClean="0"/>
-              <a:t>2020/5/3</a:t>
+              <a:t>2020/5/5</a:t>
             </a:fld>
             <a:endParaRPr kumimoji="1" lang="ja-JP" altLang="en-US"/>
           </a:p>
@@ -5768,7 +5787,7 @@
           <a:p>
             <a:fld id="{A6058805-1A1A-4901-902E-2E8B0736C531}" type="datetimeFigureOut">
               <a:rPr kumimoji="1" lang="ja-JP" altLang="en-US" smtClean="0"/>
-              <a:t>2020/5/3</a:t>
+              <a:t>2020/5/5</a:t>
             </a:fld>
             <a:endParaRPr kumimoji="1" lang="ja-JP" altLang="en-US"/>
           </a:p>
@@ -6041,7 +6060,7 @@
           <a:p>
             <a:fld id="{A6058805-1A1A-4901-902E-2E8B0736C531}" type="datetimeFigureOut">
               <a:rPr kumimoji="1" lang="ja-JP" altLang="en-US" smtClean="0"/>
-              <a:t>2020/5/3</a:t>
+              <a:t>2020/5/5</a:t>
             </a:fld>
             <a:endParaRPr kumimoji="1" lang="ja-JP" altLang="en-US"/>
           </a:p>
@@ -11195,8 +11214,8 @@
           </a:p>
         </p:txBody>
       </p:sp>
-      <mc:AlternateContent xmlns:mc="http://schemas.openxmlformats.org/markup-compatibility/2006" xmlns:a14="http://schemas.microsoft.com/office/drawing/2010/main">
-        <mc:Choice Requires="a14">
+      <mc:AlternateContent xmlns:mc="http://schemas.openxmlformats.org/markup-compatibility/2006">
+        <mc:Choice xmlns:a14="http://schemas.microsoft.com/office/drawing/2010/main" Requires="a14">
           <p:sp>
             <p:nvSpPr>
               <p:cNvPr id="3" name="コンテンツ プレースホルダー 2">
@@ -11557,14 +11576,10 @@
                 </a:r>
                 <a:endParaRPr lang="en-US" altLang="zh-CN" dirty="0"/>
               </a:p>
-              <a:p>
-                <a:pPr lvl="1"/>
-                <a:endParaRPr lang="en-US" altLang="zh-CN" dirty="0"/>
-              </a:p>
             </p:txBody>
           </p:sp>
         </mc:Choice>
-        <mc:Fallback xmlns="">
+        <mc:Fallback>
           <p:sp>
             <p:nvSpPr>
               <p:cNvPr id="3" name="コンテンツ プレースホルダー 2">
@@ -11631,8 +11646,8 @@
         </p:blipFill>
         <p:spPr>
           <a:xfrm rot="16200000">
-            <a:off x="7660494" y="1405030"/>
-            <a:ext cx="3603122" cy="4174439"/>
+            <a:off x="7764646" y="1357445"/>
+            <a:ext cx="3663177" cy="4244016"/>
           </a:xfrm>
           <a:prstGeom prst="rect">
             <a:avLst/>
@@ -11708,8 +11723,8 @@
           </a:p>
         </p:txBody>
       </p:sp>
-      <mc:AlternateContent xmlns:mc="http://schemas.openxmlformats.org/markup-compatibility/2006">
-        <mc:Choice xmlns:a14="http://schemas.microsoft.com/office/drawing/2010/main" Requires="a14">
+      <mc:AlternateContent xmlns:mc="http://schemas.openxmlformats.org/markup-compatibility/2006" xmlns:a14="http://schemas.microsoft.com/office/drawing/2010/main">
+        <mc:Choice Requires="a14">
           <p:sp>
             <p:nvSpPr>
               <p:cNvPr id="3" name="コンテンツ プレースホルダー 2">
@@ -12245,7 +12260,7 @@
             </p:txBody>
           </p:sp>
         </mc:Choice>
-        <mc:Fallback>
+        <mc:Fallback xmlns="">
           <p:sp>
             <p:nvSpPr>
               <p:cNvPr id="3" name="コンテンツ プレースホルダー 2">
@@ -12600,7 +12615,7 @@
         </p:nvSpPr>
         <p:spPr>
           <a:xfrm>
-            <a:off x="9547650" y="5807631"/>
+            <a:off x="9547650" y="5740162"/>
             <a:ext cx="877163" cy="369332"/>
           </a:xfrm>
           <a:prstGeom prst="rect">
